--- a/assets/slides/E4 - Java Data Structures.pptx
+++ b/assets/slides/E4 - Java Data Structures.pptx
@@ -268,7 +268,7 @@
           <a:p>
             <a:fld id="{5591E39A-28E5-5D4D-B97C-ECEB96F19817}" type="datetimeFigureOut">
               <a:rPr lang="en-IT" smtClean="0"/>
-              <a:t>06/03/23</a:t>
+              <a:t>21/03/23</a:t>
             </a:fld>
             <a:endParaRPr lang="en-IT"/>
           </a:p>
@@ -447,7 +447,7 @@
             <a:fld id="{BAEB7694-8561-4BE2-948D-EDF7A201F8BB}" type="datetimeFigureOut">
               <a:rPr lang="it-IT" smtClean="0"/>
               <a:pPr/>
-              <a:t>06/03/23</a:t>
+              <a:t>21/03/23</a:t>
             </a:fld>
             <a:endParaRPr lang="it-IT"/>
           </a:p>
@@ -12764,7 +12764,7 @@
         <p:spPr/>
         <p:txBody>
           <a:bodyPr>
-            <a:normAutofit/>
+            <a:normAutofit fontScale="77500" lnSpcReduction="20000"/>
           </a:bodyPr>
           <a:lstStyle/>
           <a:p>
@@ -12805,6 +12805,54 @@
             <a:r>
               <a:rPr lang="en-US" dirty="0"/>
               <a:t>Elements are ordered.</a:t>
+            </a:r>
+          </a:p>
+          <a:p>
+            <a:r>
+              <a:rPr lang="en-US" dirty="0" err="1">
+                <a:solidFill>
+                  <a:srgbClr val="E46C0A"/>
+                </a:solidFill>
+              </a:rPr>
+              <a:t>ArrayBlockingQueue</a:t>
+            </a:r>
+            <a:r>
+              <a:rPr lang="en-US" dirty="0">
+                <a:solidFill>
+                  <a:srgbClr val="E46C0A"/>
+                </a:solidFill>
+              </a:rPr>
+              <a:t> </a:t>
+            </a:r>
+            <a:r>
+              <a:rPr lang="en-US" dirty="0"/>
+              <a:t>implements</a:t>
+            </a:r>
+            <a:r>
+              <a:rPr lang="en-US" dirty="0">
+                <a:solidFill>
+                  <a:srgbClr val="E46C0A"/>
+                </a:solidFill>
+              </a:rPr>
+              <a:t> Queue</a:t>
+            </a:r>
+          </a:p>
+          <a:p>
+            <a:pPr lvl="1"/>
+            <a:r>
+              <a:rPr lang="en-US" dirty="0"/>
+              <a:t>Limited in capacity.</a:t>
+            </a:r>
+          </a:p>
+          <a:p>
+            <a:pPr lvl="1"/>
+            <a:r>
+              <a:rPr lang="en-US" dirty="0"/>
+              <a:t>Elements </a:t>
+            </a:r>
+            <a:r>
+              <a:rPr lang="en-US"/>
+              <a:t>are not ordered.</a:t>
             </a:r>
             <a:endParaRPr lang="en-US" dirty="0">
               <a:solidFill>
@@ -12835,6 +12883,25 @@
             </a:r>
           </a:p>
           <a:p>
+            <a:pPr lvl="1"/>
+            <a:r>
+              <a:rPr lang="en-US" dirty="0"/>
+              <a:t>No capacity restrictions.</a:t>
+            </a:r>
+          </a:p>
+          <a:p>
+            <a:pPr lvl="1"/>
+            <a:r>
+              <a:rPr lang="en-US" dirty="0"/>
+              <a:t>Elements are not ordered.</a:t>
+            </a:r>
+            <a:endParaRPr lang="en-US" dirty="0">
+              <a:solidFill>
+                <a:srgbClr val="E46C0A"/>
+              </a:solidFill>
+            </a:endParaRPr>
+          </a:p>
+          <a:p>
             <a:r>
               <a:rPr lang="en-US" dirty="0" err="1">
                 <a:solidFill>
@@ -12871,8 +12938,13 @@
             <a:pPr lvl="1"/>
             <a:r>
               <a:rPr lang="en-US" dirty="0"/>
-              <a:t>Null elements are prohibited. </a:t>
-            </a:r>
+              <a:t>Elements are not ordered.</a:t>
+            </a:r>
+            <a:endParaRPr lang="en-US" dirty="0">
+              <a:solidFill>
+                <a:srgbClr val="E46C0A"/>
+              </a:solidFill>
+            </a:endParaRPr>
           </a:p>
           <a:p>
             <a:endParaRPr lang="en-US" dirty="0">
